--- a/Introduzione alla Realtà Aumentata in Simulazione.pptx
+++ b/Introduzione alla Realtà Aumentata in Simulazione.pptx
@@ -299,7 +299,7 @@
           <a:p>
             <a:fld id="{6E722EE5-5E24-4BE3-A695-34797A07CBFD}" type="datetimeFigureOut">
               <a:rPr lang="it-IT" smtClean="0"/>
-              <a:t>07/12/2019</a:t>
+              <a:t>11/12/2019</a:t>
             </a:fld>
             <a:endParaRPr lang="it-IT"/>
           </a:p>
@@ -497,7 +497,7 @@
           <a:p>
             <a:fld id="{6E722EE5-5E24-4BE3-A695-34797A07CBFD}" type="datetimeFigureOut">
               <a:rPr lang="it-IT" smtClean="0"/>
-              <a:t>07/12/2019</a:t>
+              <a:t>11/12/2019</a:t>
             </a:fld>
             <a:endParaRPr lang="it-IT"/>
           </a:p>
@@ -705,7 +705,7 @@
           <a:p>
             <a:fld id="{6E722EE5-5E24-4BE3-A695-34797A07CBFD}" type="datetimeFigureOut">
               <a:rPr lang="it-IT" smtClean="0"/>
-              <a:t>07/12/2019</a:t>
+              <a:t>11/12/2019</a:t>
             </a:fld>
             <a:endParaRPr lang="it-IT"/>
           </a:p>
@@ -903,7 +903,7 @@
           <a:p>
             <a:fld id="{6E722EE5-5E24-4BE3-A695-34797A07CBFD}" type="datetimeFigureOut">
               <a:rPr lang="it-IT" smtClean="0"/>
-              <a:t>07/12/2019</a:t>
+              <a:t>11/12/2019</a:t>
             </a:fld>
             <a:endParaRPr lang="it-IT"/>
           </a:p>
@@ -1178,7 +1178,7 @@
           <a:p>
             <a:fld id="{6E722EE5-5E24-4BE3-A695-34797A07CBFD}" type="datetimeFigureOut">
               <a:rPr lang="it-IT" smtClean="0"/>
-              <a:t>07/12/2019</a:t>
+              <a:t>11/12/2019</a:t>
             </a:fld>
             <a:endParaRPr lang="it-IT"/>
           </a:p>
@@ -1443,7 +1443,7 @@
           <a:p>
             <a:fld id="{6E722EE5-5E24-4BE3-A695-34797A07CBFD}" type="datetimeFigureOut">
               <a:rPr lang="it-IT" smtClean="0"/>
-              <a:t>07/12/2019</a:t>
+              <a:t>11/12/2019</a:t>
             </a:fld>
             <a:endParaRPr lang="it-IT"/>
           </a:p>
@@ -1855,7 +1855,7 @@
           <a:p>
             <a:fld id="{6E722EE5-5E24-4BE3-A695-34797A07CBFD}" type="datetimeFigureOut">
               <a:rPr lang="it-IT" smtClean="0"/>
-              <a:t>07/12/2019</a:t>
+              <a:t>11/12/2019</a:t>
             </a:fld>
             <a:endParaRPr lang="it-IT"/>
           </a:p>
@@ -1996,7 +1996,7 @@
           <a:p>
             <a:fld id="{6E722EE5-5E24-4BE3-A695-34797A07CBFD}" type="datetimeFigureOut">
               <a:rPr lang="it-IT" smtClean="0"/>
-              <a:t>07/12/2019</a:t>
+              <a:t>11/12/2019</a:t>
             </a:fld>
             <a:endParaRPr lang="it-IT"/>
           </a:p>
@@ -2109,7 +2109,7 @@
           <a:p>
             <a:fld id="{6E722EE5-5E24-4BE3-A695-34797A07CBFD}" type="datetimeFigureOut">
               <a:rPr lang="it-IT" smtClean="0"/>
-              <a:t>07/12/2019</a:t>
+              <a:t>11/12/2019</a:t>
             </a:fld>
             <a:endParaRPr lang="it-IT"/>
           </a:p>
@@ -2420,7 +2420,7 @@
           <a:p>
             <a:fld id="{6E722EE5-5E24-4BE3-A695-34797A07CBFD}" type="datetimeFigureOut">
               <a:rPr lang="it-IT" smtClean="0"/>
-              <a:t>07/12/2019</a:t>
+              <a:t>11/12/2019</a:t>
             </a:fld>
             <a:endParaRPr lang="it-IT"/>
           </a:p>
@@ -2708,7 +2708,7 @@
           <a:p>
             <a:fld id="{6E722EE5-5E24-4BE3-A695-34797A07CBFD}" type="datetimeFigureOut">
               <a:rPr lang="it-IT" smtClean="0"/>
-              <a:t>07/12/2019</a:t>
+              <a:t>11/12/2019</a:t>
             </a:fld>
             <a:endParaRPr lang="it-IT"/>
           </a:p>
@@ -2949,7 +2949,7 @@
           <a:p>
             <a:fld id="{6E722EE5-5E24-4BE3-A695-34797A07CBFD}" type="datetimeFigureOut">
               <a:rPr lang="it-IT" smtClean="0"/>
-              <a:t>07/12/2019</a:t>
+              <a:t>11/12/2019</a:t>
             </a:fld>
             <a:endParaRPr lang="it-IT"/>
           </a:p>
@@ -4157,7 +4157,7 @@
         <p:spPr>
           <a:xfrm>
             <a:off x="151002" y="159391"/>
-            <a:ext cx="4395499" cy="923330"/>
+            <a:ext cx="4552593" cy="923330"/>
           </a:xfrm>
           <a:prstGeom prst="rect">
             <a:avLst/>
@@ -5630,7 +5630,7 @@
         <p:spPr>
           <a:xfrm>
             <a:off x="331150" y="3793799"/>
-            <a:ext cx="11529700" cy="1200329"/>
+            <a:ext cx="11529700" cy="2308324"/>
           </a:xfrm>
           <a:prstGeom prst="rect">
             <a:avLst/>
@@ -5660,6 +5660,16 @@
             <a:r>
               <a:rPr lang="it-IT" sz="3600" dirty="0"/>
               <a:t>Utilizzo di toolkit per la realtà aumentata</a:t>
+            </a:r>
+          </a:p>
+          <a:p>
+            <a:pPr marL="285750" indent="-285750">
+              <a:buFont typeface="Arial" panose="020B0604020202020204" pitchFamily="34" charset="0"/>
+              <a:buChar char="•"/>
+            </a:pPr>
+            <a:r>
+              <a:rPr lang="it-IT" sz="3600" dirty="0"/>
+              <a:t>E’ necessario avere a disposizione tutti i dati per poterli visualizzare</a:t>
             </a:r>
           </a:p>
         </p:txBody>
@@ -8509,8 +8519,8 @@
         </p:nvSpPr>
         <p:spPr>
           <a:xfrm>
-            <a:off x="1041538" y="5031779"/>
-            <a:ext cx="2425783" cy="603689"/>
+            <a:off x="1041538" y="4144269"/>
+            <a:ext cx="2425783" cy="1491199"/>
           </a:xfrm>
           <a:prstGeom prst="rect">
             <a:avLst/>
@@ -8574,7 +8584,7 @@
         <p:spPr>
           <a:xfrm>
             <a:off x="799324" y="1371933"/>
-            <a:ext cx="484428" cy="400110"/>
+            <a:ext cx="604653" cy="400110"/>
           </a:xfrm>
           <a:prstGeom prst="rect">
             <a:avLst/>
@@ -8589,7 +8599,7 @@
           <a:p>
             <a:r>
               <a:rPr lang="it-IT" sz="2000" b="1" dirty="0"/>
-              <a:t>AR</a:t>
+              <a:t>VTK</a:t>
             </a:r>
           </a:p>
         </p:txBody>
@@ -9265,15 +9275,14 @@
           </p:cNvPr>
           <p:cNvCxnSpPr>
             <a:cxnSpLocks/>
-            <a:stCxn id="13" idx="3"/>
             <a:endCxn id="24" idx="1"/>
           </p:cNvCxnSpPr>
           <p:nvPr/>
         </p:nvCxnSpPr>
         <p:spPr>
           <a:xfrm>
-            <a:off x="3467321" y="5333624"/>
-            <a:ext cx="634185" cy="1"/>
+            <a:off x="3467321" y="5326868"/>
+            <a:ext cx="634185" cy="6757"/>
           </a:xfrm>
           <a:prstGeom prst="straightConnector1">
             <a:avLst/>
@@ -9401,14 +9410,13 @@
           </p:cNvPr>
           <p:cNvCxnSpPr>
             <a:cxnSpLocks/>
-            <a:endCxn id="13" idx="1"/>
           </p:cNvCxnSpPr>
           <p:nvPr/>
         </p:nvCxnSpPr>
         <p:spPr>
-          <a:xfrm>
-            <a:off x="363894" y="5326869"/>
-            <a:ext cx="677644" cy="6755"/>
+          <a:xfrm flipV="1">
+            <a:off x="363894" y="5326868"/>
+            <a:ext cx="677644" cy="1"/>
           </a:xfrm>
           <a:prstGeom prst="straightConnector1">
             <a:avLst/>
@@ -9484,6 +9492,50 @@
           </a:p>
         </p:txBody>
       </p:sp>
+      <p:cxnSp>
+        <p:nvCxnSpPr>
+          <p:cNvPr id="28" name="Connettore 2 27">
+            <a:extLst>
+              <a:ext uri="{FF2B5EF4-FFF2-40B4-BE49-F238E27FC236}">
+                <a16:creationId xmlns:a16="http://schemas.microsoft.com/office/drawing/2014/main" id="{90F4A68D-7AAE-44FA-87D6-332BD40A55B0}"/>
+              </a:ext>
+            </a:extLst>
+          </p:cNvPr>
+          <p:cNvCxnSpPr>
+            <a:cxnSpLocks/>
+          </p:cNvCxnSpPr>
+          <p:nvPr/>
+        </p:nvCxnSpPr>
+        <p:spPr>
+          <a:xfrm flipV="1">
+            <a:off x="363894" y="4446335"/>
+            <a:ext cx="677644" cy="1"/>
+          </a:xfrm>
+          <a:prstGeom prst="straightConnector1">
+            <a:avLst/>
+          </a:prstGeom>
+          <a:ln w="63500">
+            <a:solidFill>
+              <a:schemeClr val="tx1"/>
+            </a:solidFill>
+            <a:tailEnd type="triangle"/>
+          </a:ln>
+        </p:spPr>
+        <p:style>
+          <a:lnRef idx="1">
+            <a:schemeClr val="accent1"/>
+          </a:lnRef>
+          <a:fillRef idx="0">
+            <a:schemeClr val="accent1"/>
+          </a:fillRef>
+          <a:effectRef idx="0">
+            <a:schemeClr val="accent1"/>
+          </a:effectRef>
+          <a:fontRef idx="minor">
+            <a:schemeClr val="tx1"/>
+          </a:fontRef>
+        </p:style>
+      </p:cxnSp>
     </p:spTree>
     <p:extLst>
       <p:ext uri="{BB962C8B-B14F-4D97-AF65-F5344CB8AC3E}">
@@ -9724,70 +9776,6 @@
       </p:sp>
       <p:sp>
         <p:nvSpPr>
-          <p:cNvPr id="13" name="Rettangolo 12">
-            <a:extLst>
-              <a:ext uri="{FF2B5EF4-FFF2-40B4-BE49-F238E27FC236}">
-                <a16:creationId xmlns:a16="http://schemas.microsoft.com/office/drawing/2014/main" id="{738C4653-63A8-4B91-A105-E15831696775}"/>
-              </a:ext>
-            </a:extLst>
-          </p:cNvPr>
-          <p:cNvSpPr/>
-          <p:nvPr/>
-        </p:nvSpPr>
-        <p:spPr>
-          <a:xfrm>
-            <a:off x="1041538" y="5031779"/>
-            <a:ext cx="2425783" cy="603689"/>
-          </a:xfrm>
-          <a:prstGeom prst="rect">
-            <a:avLst/>
-          </a:prstGeom>
-          <a:noFill/>
-          <a:ln w="63500">
-            <a:solidFill>
-              <a:schemeClr val="tx1"/>
-            </a:solidFill>
-          </a:ln>
-        </p:spPr>
-        <p:style>
-          <a:lnRef idx="2">
-            <a:schemeClr val="accent1">
-              <a:shade val="50000"/>
-            </a:schemeClr>
-          </a:lnRef>
-          <a:fillRef idx="1">
-            <a:schemeClr val="accent1"/>
-          </a:fillRef>
-          <a:effectRef idx="0">
-            <a:schemeClr val="accent1"/>
-          </a:effectRef>
-          <a:fontRef idx="minor">
-            <a:schemeClr val="lt1"/>
-          </a:fontRef>
-        </p:style>
-        <p:txBody>
-          <a:bodyPr rtlCol="0" anchor="ctr"/>
-          <a:lstStyle/>
-          <a:p>
-            <a:pPr algn="ctr"/>
-            <a:r>
-              <a:rPr lang="it-IT" sz="2000" b="1" dirty="0" err="1">
-                <a:solidFill>
-                  <a:schemeClr val="tx1"/>
-                </a:solidFill>
-              </a:rPr>
-              <a:t>vtkCamera</a:t>
-            </a:r>
-            <a:endParaRPr lang="it-IT" sz="2000" b="1" dirty="0">
-              <a:solidFill>
-                <a:schemeClr val="tx1"/>
-              </a:solidFill>
-            </a:endParaRPr>
-          </a:p>
-        </p:txBody>
-      </p:sp>
-      <p:sp>
-        <p:nvSpPr>
           <p:cNvPr id="3" name="CasellaDiTesto 2">
             <a:extLst>
               <a:ext uri="{FF2B5EF4-FFF2-40B4-BE49-F238E27FC236}">
@@ -9801,7 +9789,7 @@
         <p:spPr>
           <a:xfrm>
             <a:off x="799324" y="1371933"/>
-            <a:ext cx="484428" cy="400110"/>
+            <a:ext cx="604653" cy="400110"/>
           </a:xfrm>
           <a:prstGeom prst="rect">
             <a:avLst/>
@@ -9816,7 +9804,7 @@
           <a:p>
             <a:r>
               <a:rPr lang="it-IT" sz="2000" b="1" dirty="0"/>
-              <a:t>AR</a:t>
+              <a:t>VTK</a:t>
             </a:r>
           </a:p>
         </p:txBody>
@@ -10492,7 +10480,6 @@
           </p:cNvPr>
           <p:cNvCxnSpPr>
             <a:cxnSpLocks/>
-            <a:stCxn id="13" idx="3"/>
             <a:endCxn id="24" idx="1"/>
           </p:cNvCxnSpPr>
           <p:nvPr/>
@@ -10628,7 +10615,6 @@
           </p:cNvPr>
           <p:cNvCxnSpPr>
             <a:cxnSpLocks/>
-            <a:endCxn id="13" idx="1"/>
           </p:cNvCxnSpPr>
           <p:nvPr/>
         </p:nvCxnSpPr>
@@ -10708,6 +10694,114 @@
               <a:rPr lang="it-IT" sz="3600" dirty="0"/>
               <a:t>Aggiunta dei colori</a:t>
             </a:r>
+          </a:p>
+        </p:txBody>
+      </p:sp>
+      <p:cxnSp>
+        <p:nvCxnSpPr>
+          <p:cNvPr id="30" name="Connettore 2 29">
+            <a:extLst>
+              <a:ext uri="{FF2B5EF4-FFF2-40B4-BE49-F238E27FC236}">
+                <a16:creationId xmlns:a16="http://schemas.microsoft.com/office/drawing/2014/main" id="{69EE4B5B-9E20-4A0E-A294-D61FE3A91866}"/>
+              </a:ext>
+            </a:extLst>
+          </p:cNvPr>
+          <p:cNvCxnSpPr>
+            <a:cxnSpLocks/>
+          </p:cNvCxnSpPr>
+          <p:nvPr/>
+        </p:nvCxnSpPr>
+        <p:spPr>
+          <a:xfrm flipV="1">
+            <a:off x="363894" y="4446335"/>
+            <a:ext cx="677644" cy="1"/>
+          </a:xfrm>
+          <a:prstGeom prst="straightConnector1">
+            <a:avLst/>
+          </a:prstGeom>
+          <a:ln w="63500">
+            <a:solidFill>
+              <a:schemeClr val="tx1"/>
+            </a:solidFill>
+            <a:tailEnd type="triangle"/>
+          </a:ln>
+        </p:spPr>
+        <p:style>
+          <a:lnRef idx="1">
+            <a:schemeClr val="accent1"/>
+          </a:lnRef>
+          <a:fillRef idx="0">
+            <a:schemeClr val="accent1"/>
+          </a:fillRef>
+          <a:effectRef idx="0">
+            <a:schemeClr val="accent1"/>
+          </a:effectRef>
+          <a:fontRef idx="minor">
+            <a:schemeClr val="tx1"/>
+          </a:fontRef>
+        </p:style>
+      </p:cxnSp>
+      <p:sp>
+        <p:nvSpPr>
+          <p:cNvPr id="31" name="Rettangolo 30">
+            <a:extLst>
+              <a:ext uri="{FF2B5EF4-FFF2-40B4-BE49-F238E27FC236}">
+                <a16:creationId xmlns:a16="http://schemas.microsoft.com/office/drawing/2014/main" id="{51E7FB57-D14C-4350-A3FF-1F3500CDAAFB}"/>
+              </a:ext>
+            </a:extLst>
+          </p:cNvPr>
+          <p:cNvSpPr/>
+          <p:nvPr/>
+        </p:nvSpPr>
+        <p:spPr>
+          <a:xfrm>
+            <a:off x="1041538" y="4144269"/>
+            <a:ext cx="2425783" cy="1491199"/>
+          </a:xfrm>
+          <a:prstGeom prst="rect">
+            <a:avLst/>
+          </a:prstGeom>
+          <a:noFill/>
+          <a:ln w="63500">
+            <a:solidFill>
+              <a:schemeClr val="tx1"/>
+            </a:solidFill>
+          </a:ln>
+        </p:spPr>
+        <p:style>
+          <a:lnRef idx="2">
+            <a:schemeClr val="accent1">
+              <a:shade val="50000"/>
+            </a:schemeClr>
+          </a:lnRef>
+          <a:fillRef idx="1">
+            <a:schemeClr val="accent1"/>
+          </a:fillRef>
+          <a:effectRef idx="0">
+            <a:schemeClr val="accent1"/>
+          </a:effectRef>
+          <a:fontRef idx="minor">
+            <a:schemeClr val="lt1"/>
+          </a:fontRef>
+        </p:style>
+        <p:txBody>
+          <a:bodyPr rtlCol="0" anchor="ctr"/>
+          <a:lstStyle/>
+          <a:p>
+            <a:pPr algn="ctr"/>
+            <a:r>
+              <a:rPr lang="it-IT" sz="2000" b="1" dirty="0" err="1">
+                <a:solidFill>
+                  <a:schemeClr val="tx1"/>
+                </a:solidFill>
+              </a:rPr>
+              <a:t>vtkCamera</a:t>
+            </a:r>
+            <a:endParaRPr lang="it-IT" sz="2000" b="1" dirty="0">
+              <a:solidFill>
+                <a:schemeClr val="tx1"/>
+              </a:solidFill>
+            </a:endParaRPr>
           </a:p>
         </p:txBody>
       </p:sp>
@@ -10951,70 +11045,6 @@
       </p:sp>
       <p:sp>
         <p:nvSpPr>
-          <p:cNvPr id="13" name="Rettangolo 12">
-            <a:extLst>
-              <a:ext uri="{FF2B5EF4-FFF2-40B4-BE49-F238E27FC236}">
-                <a16:creationId xmlns:a16="http://schemas.microsoft.com/office/drawing/2014/main" id="{738C4653-63A8-4B91-A105-E15831696775}"/>
-              </a:ext>
-            </a:extLst>
-          </p:cNvPr>
-          <p:cNvSpPr/>
-          <p:nvPr/>
-        </p:nvSpPr>
-        <p:spPr>
-          <a:xfrm>
-            <a:off x="1041538" y="5031779"/>
-            <a:ext cx="2425783" cy="603689"/>
-          </a:xfrm>
-          <a:prstGeom prst="rect">
-            <a:avLst/>
-          </a:prstGeom>
-          <a:noFill/>
-          <a:ln w="63500">
-            <a:solidFill>
-              <a:schemeClr val="tx1"/>
-            </a:solidFill>
-          </a:ln>
-        </p:spPr>
-        <p:style>
-          <a:lnRef idx="2">
-            <a:schemeClr val="accent1">
-              <a:shade val="50000"/>
-            </a:schemeClr>
-          </a:lnRef>
-          <a:fillRef idx="1">
-            <a:schemeClr val="accent1"/>
-          </a:fillRef>
-          <a:effectRef idx="0">
-            <a:schemeClr val="accent1"/>
-          </a:effectRef>
-          <a:fontRef idx="minor">
-            <a:schemeClr val="lt1"/>
-          </a:fontRef>
-        </p:style>
-        <p:txBody>
-          <a:bodyPr rtlCol="0" anchor="ctr"/>
-          <a:lstStyle/>
-          <a:p>
-            <a:pPr algn="ctr"/>
-            <a:r>
-              <a:rPr lang="it-IT" sz="2000" b="1" dirty="0" err="1">
-                <a:solidFill>
-                  <a:schemeClr val="tx1"/>
-                </a:solidFill>
-              </a:rPr>
-              <a:t>vtkCamera</a:t>
-            </a:r>
-            <a:endParaRPr lang="it-IT" sz="2000" b="1" dirty="0">
-              <a:solidFill>
-                <a:schemeClr val="tx1"/>
-              </a:solidFill>
-            </a:endParaRPr>
-          </a:p>
-        </p:txBody>
-      </p:sp>
-      <p:sp>
-        <p:nvSpPr>
           <p:cNvPr id="3" name="CasellaDiTesto 2">
             <a:extLst>
               <a:ext uri="{FF2B5EF4-FFF2-40B4-BE49-F238E27FC236}">
@@ -11028,7 +11058,7 @@
         <p:spPr>
           <a:xfrm>
             <a:off x="799324" y="1371933"/>
-            <a:ext cx="484428" cy="400110"/>
+            <a:ext cx="604653" cy="400110"/>
           </a:xfrm>
           <a:prstGeom prst="rect">
             <a:avLst/>
@@ -11043,7 +11073,7 @@
           <a:p>
             <a:r>
               <a:rPr lang="it-IT" sz="2000" b="1" dirty="0"/>
-              <a:t>AR</a:t>
+              <a:t>VTK</a:t>
             </a:r>
           </a:p>
         </p:txBody>
@@ -11719,7 +11749,6 @@
           </p:cNvPr>
           <p:cNvCxnSpPr>
             <a:cxnSpLocks/>
-            <a:stCxn id="13" idx="3"/>
             <a:endCxn id="24" idx="1"/>
           </p:cNvCxnSpPr>
           <p:nvPr/>
@@ -11855,7 +11884,6 @@
           </p:cNvPr>
           <p:cNvCxnSpPr>
             <a:cxnSpLocks/>
-            <a:endCxn id="13" idx="1"/>
           </p:cNvCxnSpPr>
           <p:nvPr/>
         </p:nvCxnSpPr>
@@ -11925,6 +11953,114 @@
               <a:rPr lang="it-IT" sz="3600" dirty="0"/>
               <a:t>Generazione degli oggetti virtuali</a:t>
             </a:r>
+          </a:p>
+        </p:txBody>
+      </p:sp>
+      <p:cxnSp>
+        <p:nvCxnSpPr>
+          <p:cNvPr id="30" name="Connettore 2 29">
+            <a:extLst>
+              <a:ext uri="{FF2B5EF4-FFF2-40B4-BE49-F238E27FC236}">
+                <a16:creationId xmlns:a16="http://schemas.microsoft.com/office/drawing/2014/main" id="{B5AC4502-28B6-4F63-B767-718C0B7CEA69}"/>
+              </a:ext>
+            </a:extLst>
+          </p:cNvPr>
+          <p:cNvCxnSpPr>
+            <a:cxnSpLocks/>
+          </p:cNvCxnSpPr>
+          <p:nvPr/>
+        </p:nvCxnSpPr>
+        <p:spPr>
+          <a:xfrm flipV="1">
+            <a:off x="363894" y="4446335"/>
+            <a:ext cx="677644" cy="1"/>
+          </a:xfrm>
+          <a:prstGeom prst="straightConnector1">
+            <a:avLst/>
+          </a:prstGeom>
+          <a:ln w="63500">
+            <a:solidFill>
+              <a:schemeClr val="tx1"/>
+            </a:solidFill>
+            <a:tailEnd type="triangle"/>
+          </a:ln>
+        </p:spPr>
+        <p:style>
+          <a:lnRef idx="1">
+            <a:schemeClr val="accent1"/>
+          </a:lnRef>
+          <a:fillRef idx="0">
+            <a:schemeClr val="accent1"/>
+          </a:fillRef>
+          <a:effectRef idx="0">
+            <a:schemeClr val="accent1"/>
+          </a:effectRef>
+          <a:fontRef idx="minor">
+            <a:schemeClr val="tx1"/>
+          </a:fontRef>
+        </p:style>
+      </p:cxnSp>
+      <p:sp>
+        <p:nvSpPr>
+          <p:cNvPr id="31" name="Rettangolo 30">
+            <a:extLst>
+              <a:ext uri="{FF2B5EF4-FFF2-40B4-BE49-F238E27FC236}">
+                <a16:creationId xmlns:a16="http://schemas.microsoft.com/office/drawing/2014/main" id="{D7E6C457-4480-4010-B770-B0BCC6B49660}"/>
+              </a:ext>
+            </a:extLst>
+          </p:cNvPr>
+          <p:cNvSpPr/>
+          <p:nvPr/>
+        </p:nvSpPr>
+        <p:spPr>
+          <a:xfrm>
+            <a:off x="1041538" y="4144269"/>
+            <a:ext cx="2425783" cy="1491199"/>
+          </a:xfrm>
+          <a:prstGeom prst="rect">
+            <a:avLst/>
+          </a:prstGeom>
+          <a:noFill/>
+          <a:ln w="63500">
+            <a:solidFill>
+              <a:schemeClr val="tx1"/>
+            </a:solidFill>
+          </a:ln>
+        </p:spPr>
+        <p:style>
+          <a:lnRef idx="2">
+            <a:schemeClr val="accent1">
+              <a:shade val="50000"/>
+            </a:schemeClr>
+          </a:lnRef>
+          <a:fillRef idx="1">
+            <a:schemeClr val="accent1"/>
+          </a:fillRef>
+          <a:effectRef idx="0">
+            <a:schemeClr val="accent1"/>
+          </a:effectRef>
+          <a:fontRef idx="minor">
+            <a:schemeClr val="lt1"/>
+          </a:fontRef>
+        </p:style>
+        <p:txBody>
+          <a:bodyPr rtlCol="0" anchor="ctr"/>
+          <a:lstStyle/>
+          <a:p>
+            <a:pPr algn="ctr"/>
+            <a:r>
+              <a:rPr lang="it-IT" sz="2000" b="1" dirty="0" err="1">
+                <a:solidFill>
+                  <a:schemeClr val="tx1"/>
+                </a:solidFill>
+              </a:rPr>
+              <a:t>vtkCamera</a:t>
+            </a:r>
+            <a:endParaRPr lang="it-IT" sz="2000" b="1" dirty="0">
+              <a:solidFill>
+                <a:schemeClr val="tx1"/>
+              </a:solidFill>
+            </a:endParaRPr>
           </a:p>
         </p:txBody>
       </p:sp>
@@ -12168,70 +12304,6 @@
       </p:sp>
       <p:sp>
         <p:nvSpPr>
-          <p:cNvPr id="13" name="Rettangolo 12">
-            <a:extLst>
-              <a:ext uri="{FF2B5EF4-FFF2-40B4-BE49-F238E27FC236}">
-                <a16:creationId xmlns:a16="http://schemas.microsoft.com/office/drawing/2014/main" id="{738C4653-63A8-4B91-A105-E15831696775}"/>
-              </a:ext>
-            </a:extLst>
-          </p:cNvPr>
-          <p:cNvSpPr/>
-          <p:nvPr/>
-        </p:nvSpPr>
-        <p:spPr>
-          <a:xfrm>
-            <a:off x="1041538" y="5031779"/>
-            <a:ext cx="2425783" cy="603689"/>
-          </a:xfrm>
-          <a:prstGeom prst="rect">
-            <a:avLst/>
-          </a:prstGeom>
-          <a:noFill/>
-          <a:ln w="63500">
-            <a:solidFill>
-              <a:srgbClr val="FF0000"/>
-            </a:solidFill>
-          </a:ln>
-        </p:spPr>
-        <p:style>
-          <a:lnRef idx="2">
-            <a:schemeClr val="accent1">
-              <a:shade val="50000"/>
-            </a:schemeClr>
-          </a:lnRef>
-          <a:fillRef idx="1">
-            <a:schemeClr val="accent1"/>
-          </a:fillRef>
-          <a:effectRef idx="0">
-            <a:schemeClr val="accent1"/>
-          </a:effectRef>
-          <a:fontRef idx="minor">
-            <a:schemeClr val="lt1"/>
-          </a:fontRef>
-        </p:style>
-        <p:txBody>
-          <a:bodyPr rtlCol="0" anchor="ctr"/>
-          <a:lstStyle/>
-          <a:p>
-            <a:pPr algn="ctr"/>
-            <a:r>
-              <a:rPr lang="it-IT" sz="2000" b="1" dirty="0" err="1">
-                <a:solidFill>
-                  <a:schemeClr val="tx1"/>
-                </a:solidFill>
-              </a:rPr>
-              <a:t>vtkCamera</a:t>
-            </a:r>
-            <a:endParaRPr lang="it-IT" sz="2000" b="1" dirty="0">
-              <a:solidFill>
-                <a:schemeClr val="tx1"/>
-              </a:solidFill>
-            </a:endParaRPr>
-          </a:p>
-        </p:txBody>
-      </p:sp>
-      <p:sp>
-        <p:nvSpPr>
           <p:cNvPr id="3" name="CasellaDiTesto 2">
             <a:extLst>
               <a:ext uri="{FF2B5EF4-FFF2-40B4-BE49-F238E27FC236}">
@@ -12245,7 +12317,7 @@
         <p:spPr>
           <a:xfrm>
             <a:off x="799324" y="1371933"/>
-            <a:ext cx="484428" cy="400110"/>
+            <a:ext cx="604653" cy="400110"/>
           </a:xfrm>
           <a:prstGeom prst="rect">
             <a:avLst/>
@@ -12260,7 +12332,7 @@
           <a:p>
             <a:r>
               <a:rPr lang="it-IT" sz="2000" b="1" dirty="0"/>
-              <a:t>AR</a:t>
+              <a:t>VTK</a:t>
             </a:r>
           </a:p>
         </p:txBody>
@@ -12936,7 +13008,6 @@
           </p:cNvPr>
           <p:cNvCxnSpPr>
             <a:cxnSpLocks/>
-            <a:stCxn id="13" idx="3"/>
             <a:endCxn id="24" idx="1"/>
           </p:cNvCxnSpPr>
           <p:nvPr/>
@@ -13072,7 +13143,6 @@
           </p:cNvPr>
           <p:cNvCxnSpPr>
             <a:cxnSpLocks/>
-            <a:endCxn id="13" idx="1"/>
           </p:cNvCxnSpPr>
           <p:nvPr/>
         </p:nvCxnSpPr>
@@ -13162,6 +13232,114 @@
               <a:rPr lang="it-IT" sz="3600" dirty="0"/>
               <a:t>Costruzione della window</a:t>
             </a:r>
+          </a:p>
+        </p:txBody>
+      </p:sp>
+      <p:cxnSp>
+        <p:nvCxnSpPr>
+          <p:cNvPr id="30" name="Connettore 2 29">
+            <a:extLst>
+              <a:ext uri="{FF2B5EF4-FFF2-40B4-BE49-F238E27FC236}">
+                <a16:creationId xmlns:a16="http://schemas.microsoft.com/office/drawing/2014/main" id="{DD69D07D-BFA2-4237-BB01-C77D5A6D20E2}"/>
+              </a:ext>
+            </a:extLst>
+          </p:cNvPr>
+          <p:cNvCxnSpPr>
+            <a:cxnSpLocks/>
+          </p:cNvCxnSpPr>
+          <p:nvPr/>
+        </p:nvCxnSpPr>
+        <p:spPr>
+          <a:xfrm flipV="1">
+            <a:off x="363894" y="4446335"/>
+            <a:ext cx="677644" cy="1"/>
+          </a:xfrm>
+          <a:prstGeom prst="straightConnector1">
+            <a:avLst/>
+          </a:prstGeom>
+          <a:ln w="63500">
+            <a:solidFill>
+              <a:schemeClr val="tx1"/>
+            </a:solidFill>
+            <a:tailEnd type="triangle"/>
+          </a:ln>
+        </p:spPr>
+        <p:style>
+          <a:lnRef idx="1">
+            <a:schemeClr val="accent1"/>
+          </a:lnRef>
+          <a:fillRef idx="0">
+            <a:schemeClr val="accent1"/>
+          </a:fillRef>
+          <a:effectRef idx="0">
+            <a:schemeClr val="accent1"/>
+          </a:effectRef>
+          <a:fontRef idx="minor">
+            <a:schemeClr val="tx1"/>
+          </a:fontRef>
+        </p:style>
+      </p:cxnSp>
+      <p:sp>
+        <p:nvSpPr>
+          <p:cNvPr id="31" name="Rettangolo 30">
+            <a:extLst>
+              <a:ext uri="{FF2B5EF4-FFF2-40B4-BE49-F238E27FC236}">
+                <a16:creationId xmlns:a16="http://schemas.microsoft.com/office/drawing/2014/main" id="{40FEACB0-7E3A-479E-B565-902DCC33B8A4}"/>
+              </a:ext>
+            </a:extLst>
+          </p:cNvPr>
+          <p:cNvSpPr/>
+          <p:nvPr/>
+        </p:nvSpPr>
+        <p:spPr>
+          <a:xfrm>
+            <a:off x="1041538" y="4144269"/>
+            <a:ext cx="2425783" cy="1491199"/>
+          </a:xfrm>
+          <a:prstGeom prst="rect">
+            <a:avLst/>
+          </a:prstGeom>
+          <a:noFill/>
+          <a:ln w="63500">
+            <a:solidFill>
+              <a:srgbClr val="FF0000"/>
+            </a:solidFill>
+          </a:ln>
+        </p:spPr>
+        <p:style>
+          <a:lnRef idx="2">
+            <a:schemeClr val="accent1">
+              <a:shade val="50000"/>
+            </a:schemeClr>
+          </a:lnRef>
+          <a:fillRef idx="1">
+            <a:schemeClr val="accent1"/>
+          </a:fillRef>
+          <a:effectRef idx="0">
+            <a:schemeClr val="accent1"/>
+          </a:effectRef>
+          <a:fontRef idx="minor">
+            <a:schemeClr val="lt1"/>
+          </a:fontRef>
+        </p:style>
+        <p:txBody>
+          <a:bodyPr rtlCol="0" anchor="ctr"/>
+          <a:lstStyle/>
+          <a:p>
+            <a:pPr algn="ctr"/>
+            <a:r>
+              <a:rPr lang="it-IT" sz="2000" b="1" dirty="0" err="1">
+                <a:solidFill>
+                  <a:schemeClr val="tx1"/>
+                </a:solidFill>
+              </a:rPr>
+              <a:t>vtkCamera</a:t>
+            </a:r>
+            <a:endParaRPr lang="it-IT" sz="2000" b="1" dirty="0">
+              <a:solidFill>
+                <a:schemeClr val="tx1"/>
+              </a:solidFill>
+            </a:endParaRPr>
           </a:p>
         </p:txBody>
       </p:sp>
